--- a/CommitMessages/CodingDojo_CommitMessages.pptx
+++ b/CommitMessages/CodingDojo_CommitMessages.pptx
@@ -9516,12 +9516,8 @@
           <a:p>
             <a:pPr lvl="1"/>
             <a:r>
-              <a:rPr lang="en-GB"/>
-              <a:t>Console (C#), WPF (C#), </a:t>
-            </a:r>
-            <a:r>
               <a:rPr lang="en-GB" dirty="0"/>
-              <a:t>Angular </a:t>
+              <a:t>Console (C#), WPF (C#), Angular </a:t>
             </a:r>
             <a:r>
               <a:rPr lang="en-GB" dirty="0" err="1"/>
@@ -9565,28 +9561,12 @@
             </a:r>
             <a:r>
               <a:rPr lang="en-GB" dirty="0" err="1"/>
-              <a:t>eigene</a:t>
-            </a:r>
-            <a:r>
-              <a:rPr lang="en-GB" dirty="0"/>
-              <a:t> </a:t>
-            </a:r>
-            <a:r>
-              <a:rPr lang="en-GB" dirty="0" err="1"/>
-              <a:t>Applikation</a:t>
-            </a:r>
-            <a:r>
-              <a:rPr lang="en-GB" dirty="0"/>
-              <a:t> </a:t>
-            </a:r>
-            <a:r>
-              <a:rPr lang="en-GB" dirty="0" err="1"/>
-              <a:t>hinzufügen</a:t>
-            </a:r>
-            <a:endParaRPr lang="de-AT" dirty="0"/>
-          </a:p>
-          <a:p>
-            <a:pPr lvl="1"/>
+              <a:t>eigener</a:t>
+            </a:r>
+            <a:r>
+              <a:rPr lang="en-GB"/>
+              <a:t> Stack</a:t>
+            </a:r>
             <a:endParaRPr lang="en-GB" dirty="0"/>
           </a:p>
           <a:p>

--- a/CommitMessages/CodingDojo_CommitMessages.pptx
+++ b/CommitMessages/CodingDojo_CommitMessages.pptx
@@ -215,7 +215,7 @@
           <a:p>
             <a:fld id="{550C01F7-036F-4DDB-91D3-72DE411FB950}" type="datetimeFigureOut">
               <a:rPr lang="de-AT" smtClean="0"/>
-              <a:t>30.03.2022</a:t>
+              <a:t>01.04.2022</a:t>
             </a:fld>
             <a:endParaRPr lang="de-AT"/>
           </a:p>
@@ -1483,9 +1483,12 @@
             </a:r>
           </a:p>
           <a:p>
+            <a:endParaRPr lang="en-GB" dirty="0"/>
+          </a:p>
+          <a:p>
             <a:r>
               <a:rPr lang="en-GB" dirty="0"/>
-              <a:t>50 min </a:t>
+              <a:t>30 min </a:t>
             </a:r>
             <a:r>
               <a:rPr lang="en-GB" dirty="0" err="1"/>
@@ -1494,12 +1497,40 @@
             <a:endParaRPr lang="en-GB" dirty="0"/>
           </a:p>
           <a:p>
+            <a:r>
+              <a:rPr lang="en-GB" dirty="0"/>
+              <a:t>5 min Pause</a:t>
+            </a:r>
+          </a:p>
+          <a:p>
+            <a:r>
+              <a:rPr lang="en-GB" dirty="0"/>
+              <a:t>10 min </a:t>
+            </a:r>
+            <a:r>
+              <a:rPr lang="en-GB" dirty="0" err="1"/>
+              <a:t>Diskussion</a:t>
+            </a:r>
             <a:endParaRPr lang="en-GB" dirty="0"/>
           </a:p>
           <a:p>
             <a:r>
               <a:rPr lang="en-GB" dirty="0"/>
-              <a:t>20 min Commits </a:t>
+              <a:t>30 min </a:t>
+            </a:r>
+            <a:r>
+              <a:rPr lang="en-GB" dirty="0" err="1"/>
+              <a:t>Lösungsimplementierung</a:t>
+            </a:r>
+            <a:endParaRPr lang="en-GB" dirty="0"/>
+          </a:p>
+          <a:p>
+            <a:endParaRPr lang="en-GB" dirty="0"/>
+          </a:p>
+          <a:p>
+            <a:r>
+              <a:rPr lang="en-GB" dirty="0"/>
+              <a:t>30 min Commits </a:t>
             </a:r>
             <a:r>
               <a:rPr lang="en-GB" dirty="0" err="1"/>
@@ -3123,7 +3154,7 @@
           <a:p>
             <a:fld id="{4F9BBA49-313F-47D7-A954-C3F504465317}" type="datetimeFigureOut">
               <a:rPr lang="de-AT" smtClean="0"/>
-              <a:t>30.03.2022</a:t>
+              <a:t>01.04.2022</a:t>
             </a:fld>
             <a:endParaRPr lang="de-AT"/>
           </a:p>
@@ -3293,7 +3324,7 @@
           <a:p>
             <a:fld id="{4F9BBA49-313F-47D7-A954-C3F504465317}" type="datetimeFigureOut">
               <a:rPr lang="de-AT" smtClean="0"/>
-              <a:t>30.03.2022</a:t>
+              <a:t>01.04.2022</a:t>
             </a:fld>
             <a:endParaRPr lang="de-AT"/>
           </a:p>
@@ -7741,7 +7772,7 @@
         </p:spPr>
         <p:txBody>
           <a:bodyPr>
-            <a:normAutofit/>
+            <a:normAutofit fontScale="92500" lnSpcReduction="10000"/>
           </a:bodyPr>
           <a:lstStyle/>
           <a:p>
@@ -7760,6 +7791,13 @@
             <a:r>
               <a:rPr lang="de-AT" dirty="0"/>
               <a:t>Fokus auf Commit Msgs</a:t>
+            </a:r>
+          </a:p>
+          <a:p>
+            <a:pPr lvl="1"/>
+            <a:r>
+              <a:rPr lang="de-AT" dirty="0"/>
+              <a:t>&gt;= 10 Commits</a:t>
             </a:r>
           </a:p>
           <a:p>
@@ -8050,7 +8088,7 @@
                                         <p:tgtEl>
                                           <p:spTgt spid="3">
                                             <p:txEl>
-                                              <p:pRg st="6" end="6"/>
+                                              <p:pRg st="7" end="7"/>
                                             </p:txEl>
                                           </p:spTgt>
                                         </p:tgtEl>
@@ -8068,7 +8106,7 @@
                                         <p:tgtEl>
                                           <p:spTgt spid="3">
                                             <p:txEl>
-                                              <p:pRg st="6" end="6"/>
+                                              <p:pRg st="7" end="7"/>
                                             </p:txEl>
                                           </p:spTgt>
                                         </p:tgtEl>
@@ -8111,7 +8149,7 @@
                                         <p:tgtEl>
                                           <p:spTgt spid="3">
                                             <p:txEl>
-                                              <p:pRg st="7" end="7"/>
+                                              <p:pRg st="8" end="8"/>
                                             </p:txEl>
                                           </p:spTgt>
                                         </p:tgtEl>
@@ -8129,7 +8167,7 @@
                                         <p:tgtEl>
                                           <p:spTgt spid="3">
                                             <p:txEl>
-                                              <p:pRg st="7" end="7"/>
+                                              <p:pRg st="8" end="8"/>
                                             </p:txEl>
                                           </p:spTgt>
                                         </p:tgtEl>
@@ -9504,6 +9542,22 @@
             </a:r>
           </a:p>
           <a:p>
+            <a:pPr lvl="1"/>
+            <a:r>
+              <a:rPr lang="en-GB" dirty="0" err="1"/>
+              <a:t>Neuen</a:t>
+            </a:r>
+            <a:r>
+              <a:rPr lang="en-GB" dirty="0"/>
+              <a:t> Branch </a:t>
+            </a:r>
+            <a:r>
+              <a:rPr lang="en-GB" dirty="0" err="1"/>
+              <a:t>erstellen</a:t>
+            </a:r>
+            <a:endParaRPr lang="en-GB" dirty="0"/>
+          </a:p>
+          <a:p>
             <a:r>
               <a:rPr lang="en-GB" dirty="0" err="1"/>
               <a:t>Freie</a:t>
@@ -9564,10 +9618,9 @@
               <a:t>eigener</a:t>
             </a:r>
             <a:r>
-              <a:rPr lang="en-GB"/>
+              <a:rPr lang="en-GB" dirty="0"/>
               <a:t> Stack</a:t>
             </a:r>
-            <a:endParaRPr lang="en-GB" dirty="0"/>
           </a:p>
           <a:p>
             <a:pPr lvl="2"/>
@@ -9640,7 +9693,10 @@
           </a:bodyPr>
           <a:lstStyle/>
           <a:p>
-            <a:endParaRPr lang="de-DE" dirty="0"/>
+            <a:r>
+              <a:rPr lang="de-DE" dirty="0"/>
+              <a:t>Welche Hooks für Commits habt ihr für euch entdeckt?</a:t>
+            </a:r>
           </a:p>
         </p:txBody>
       </p:sp>

--- a/CommitMessages/CodingDojo_CommitMessages.pptx
+++ b/CommitMessages/CodingDojo_CommitMessages.pptx
@@ -215,7 +215,7 @@
           <a:p>
             <a:fld id="{550C01F7-036F-4DDB-91D3-72DE411FB950}" type="datetimeFigureOut">
               <a:rPr lang="de-AT" smtClean="0"/>
-              <a:t>01.04.2022</a:t>
+              <a:t>03.06.2022</a:t>
             </a:fld>
             <a:endParaRPr lang="de-AT"/>
           </a:p>
@@ -1488,7 +1488,59 @@
           <a:p>
             <a:r>
               <a:rPr lang="en-GB" dirty="0"/>
-              <a:t>30 min </a:t>
+              <a:t>10 min Stack </a:t>
+            </a:r>
+            <a:r>
+              <a:rPr lang="en-GB" dirty="0" err="1"/>
+              <a:t>Entscheidung</a:t>
+            </a:r>
+            <a:r>
+              <a:rPr lang="en-GB" dirty="0"/>
+              <a:t>, </a:t>
+            </a:r>
+            <a:r>
+              <a:rPr lang="en-GB" dirty="0" err="1"/>
+              <a:t>grobe</a:t>
+            </a:r>
+            <a:r>
+              <a:rPr lang="en-GB" dirty="0"/>
+              <a:t> </a:t>
+            </a:r>
+            <a:r>
+              <a:rPr lang="en-GB" dirty="0" err="1"/>
+              <a:t>Architektur</a:t>
+            </a:r>
+            <a:endParaRPr lang="en-GB" dirty="0"/>
+          </a:p>
+          <a:p>
+            <a:r>
+              <a:rPr lang="en-GB" dirty="0"/>
+              <a:t>5 min </a:t>
+            </a:r>
+            <a:r>
+              <a:rPr lang="en-GB" dirty="0" err="1"/>
+              <a:t>Reinholen</a:t>
+            </a:r>
+            <a:endParaRPr lang="en-GB" dirty="0"/>
+          </a:p>
+          <a:p>
+            <a:endParaRPr lang="en-GB" dirty="0"/>
+          </a:p>
+          <a:p>
+            <a:r>
+              <a:rPr lang="en-GB" dirty="0"/>
+              <a:t>10 min </a:t>
+            </a:r>
+            <a:r>
+              <a:rPr lang="en-GB" dirty="0" err="1"/>
+              <a:t>Diskussion</a:t>
+            </a:r>
+            <a:endParaRPr lang="en-GB" dirty="0"/>
+          </a:p>
+          <a:p>
+            <a:r>
+              <a:rPr lang="en-GB" dirty="0"/>
+              <a:t>40 min </a:t>
             </a:r>
             <a:r>
               <a:rPr lang="en-GB" dirty="0" err="1"/>
@@ -1497,40 +1549,12 @@
             <a:endParaRPr lang="en-GB" dirty="0"/>
           </a:p>
           <a:p>
+            <a:endParaRPr lang="en-GB" dirty="0"/>
+          </a:p>
+          <a:p>
             <a:r>
               <a:rPr lang="en-GB" dirty="0"/>
-              <a:t>5 min Pause</a:t>
-            </a:r>
-          </a:p>
-          <a:p>
-            <a:r>
-              <a:rPr lang="en-GB" dirty="0"/>
-              <a:t>10 min </a:t>
-            </a:r>
-            <a:r>
-              <a:rPr lang="en-GB" dirty="0" err="1"/>
-              <a:t>Diskussion</a:t>
-            </a:r>
-            <a:endParaRPr lang="en-GB" dirty="0"/>
-          </a:p>
-          <a:p>
-            <a:r>
-              <a:rPr lang="en-GB" dirty="0"/>
-              <a:t>30 min </a:t>
-            </a:r>
-            <a:r>
-              <a:rPr lang="en-GB" dirty="0" err="1"/>
-              <a:t>Lösungsimplementierung</a:t>
-            </a:r>
-            <a:endParaRPr lang="en-GB" dirty="0"/>
-          </a:p>
-          <a:p>
-            <a:endParaRPr lang="en-GB" dirty="0"/>
-          </a:p>
-          <a:p>
-            <a:r>
-              <a:rPr lang="en-GB" dirty="0"/>
-              <a:t>30 min Commits </a:t>
+              <a:t>15 min Commits </a:t>
             </a:r>
             <a:r>
               <a:rPr lang="en-GB" dirty="0" err="1"/>
@@ -1628,6 +1652,49 @@
           <a:bodyPr/>
           <a:lstStyle/>
           <a:p>
+            <a:r>
+              <a:rPr lang="de-AT" dirty="0"/>
+              <a:t>Nicht zu groß</a:t>
+            </a:r>
+          </a:p>
+          <a:p>
+            <a:r>
+              <a:rPr lang="de-AT" dirty="0"/>
+              <a:t>Verständlich</a:t>
+            </a:r>
+          </a:p>
+          <a:p>
+            <a:pPr lvl="1"/>
+            <a:r>
+              <a:rPr lang="de-AT" dirty="0"/>
+              <a:t>Auch in 3 Jahren noch verständlich?</a:t>
+            </a:r>
+          </a:p>
+          <a:p>
+            <a:r>
+              <a:rPr lang="de-AT" dirty="0"/>
+              <a:t>Richtige Granularität („US umgesetzt“&lt;-&gt; verbatim)</a:t>
+            </a:r>
+          </a:p>
+          <a:p>
+            <a:r>
+              <a:rPr lang="de-AT" dirty="0"/>
+              <a:t>Cherrypickable/Revertable</a:t>
+            </a:r>
+          </a:p>
+          <a:p>
+            <a:r>
+              <a:rPr lang="de-AT" dirty="0"/>
+              <a:t>Workitem Nr </a:t>
+            </a:r>
+          </a:p>
+          <a:p>
+            <a:r>
+              <a:rPr lang="de-AT" dirty="0"/>
+              <a:t>Weitere Anforderungen?</a:t>
+            </a:r>
+          </a:p>
+          <a:p>
             <a:endParaRPr lang="en-AT" dirty="0"/>
           </a:p>
         </p:txBody>
@@ -1712,6 +1779,38 @@
           <a:bodyPr/>
           <a:lstStyle/>
           <a:p>
+            <a:r>
+              <a:rPr lang="de-DE" dirty="0"/>
+              <a:t>.) TaschenRechner (plus, minus, mal, divide) (Bonus: leicht erweiterbar um Operationen)</a:t>
+            </a:r>
+          </a:p>
+          <a:p>
+            <a:r>
+              <a:rPr lang="de-DE" dirty="0"/>
+              <a:t>.) Converter (F &lt;-&gt; Celsius, Feet &lt;-&gt; Meter, Alter &lt;-&gt; Wochen oder Tage) (Bonus: erweiterbar um weitere Konvertierungen)</a:t>
+            </a:r>
+          </a:p>
+          <a:p>
+            <a:r>
+              <a:rPr lang="de-DE" dirty="0"/>
+              <a:t>.) Hangman</a:t>
+            </a:r>
+          </a:p>
+          <a:p>
+            <a:r>
+              <a:rPr lang="de-DE" dirty="0"/>
+              <a:t>.) Vier Gewinnt</a:t>
+            </a:r>
+          </a:p>
+          <a:p>
+            <a:r>
+              <a:rPr lang="de-DE"/>
+              <a:t>.) JsonParser </a:t>
+            </a:r>
+            <a:r>
+              <a:rPr lang="de-DE" dirty="0"/>
+              <a:t>selbst geschrieben (Bonus: Typ als Generic übergeben, per Reflection erstellen)</a:t>
+            </a:r>
             <a:endParaRPr lang="en-AT" dirty="0"/>
           </a:p>
         </p:txBody>
@@ -3154,7 +3253,7 @@
           <a:p>
             <a:fld id="{4F9BBA49-313F-47D7-A954-C3F504465317}" type="datetimeFigureOut">
               <a:rPr lang="de-AT" smtClean="0"/>
-              <a:t>01.04.2022</a:t>
+              <a:t>03.06.2022</a:t>
             </a:fld>
             <a:endParaRPr lang="de-AT"/>
           </a:p>
@@ -3324,7 +3423,7 @@
           <a:p>
             <a:fld id="{4F9BBA49-313F-47D7-A954-C3F504465317}" type="datetimeFigureOut">
               <a:rPr lang="de-AT" smtClean="0"/>
-              <a:t>01.04.2022</a:t>
+              <a:t>03.06.2022</a:t>
             </a:fld>
             <a:endParaRPr lang="de-AT"/>
           </a:p>
@@ -6613,7 +6712,7 @@
             </a:br>
             <a:r>
               <a:rPr lang="de-AT" sz="2400" b="1" dirty="0"/>
-              <a:t>0x.04.2021</a:t>
+              <a:t>03.06.2022</a:t>
             </a:r>
             <a:endParaRPr lang="de-AT" sz="1800" b="1" dirty="0"/>
           </a:p>
@@ -7803,7 +7902,7 @@
           <a:p>
             <a:r>
               <a:rPr lang="de-AT" dirty="0"/>
-              <a:t>Danach gemeinsam die Commit Msgs durchschaun</a:t>
+              <a:t>Danach gemeinsam die Commit Msgs durchschauen</a:t>
             </a:r>
           </a:p>
           <a:p>
@@ -9110,53 +9209,117 @@
             </a:lvl9pPr>
           </a:lstStyle>
           <a:p>
-            <a:r>
-              <a:rPr lang="de-AT" dirty="0"/>
-              <a:t>Nicht zu groß</a:t>
-            </a:r>
-          </a:p>
-          <a:p>
-            <a:r>
-              <a:rPr lang="de-AT" dirty="0"/>
-              <a:t>Verständlich</a:t>
-            </a:r>
-          </a:p>
-          <a:p>
-            <a:pPr lvl="1"/>
-            <a:r>
-              <a:rPr lang="de-AT" dirty="0"/>
-              <a:t>Auch in 3 Jahren noch verständlich?</a:t>
-            </a:r>
-          </a:p>
-          <a:p>
-            <a:r>
-              <a:rPr lang="de-AT" dirty="0"/>
-              <a:t>Richtige Granularität („US umgesetzt“&lt;-&gt;nicht verbatim)</a:t>
-            </a:r>
-          </a:p>
-          <a:p>
-            <a:r>
-              <a:rPr lang="de-AT" dirty="0"/>
-              <a:t>Cherrypickable/Revertable</a:t>
-            </a:r>
-          </a:p>
-          <a:p>
-            <a:r>
-              <a:rPr lang="de-AT" dirty="0"/>
-              <a:t>Workitem Nr </a:t>
-            </a:r>
-          </a:p>
-          <a:p>
-            <a:r>
-              <a:rPr lang="de-AT" dirty="0"/>
-              <a:t>Weitere Anforderungen?</a:t>
-            </a:r>
-          </a:p>
-          <a:p>
             <a:pPr marL="457200" lvl="1" indent="0">
               <a:buNone/>
             </a:pPr>
             <a:endParaRPr lang="en-GB" dirty="0"/>
+          </a:p>
+        </p:txBody>
+      </p:sp>
+      <p:sp>
+        <p:nvSpPr>
+          <p:cNvPr id="4" name="TextBox 3">
+            <a:extLst>
+              <a:ext uri="{FF2B5EF4-FFF2-40B4-BE49-F238E27FC236}">
+                <a16:creationId xmlns:a16="http://schemas.microsoft.com/office/drawing/2014/main" id="{4C2E0D44-7E5D-1DFB-5D92-A1B97484E266}"/>
+              </a:ext>
+            </a:extLst>
+          </p:cNvPr>
+          <p:cNvSpPr txBox="1"/>
+          <p:nvPr/>
+        </p:nvSpPr>
+        <p:spPr>
+          <a:xfrm>
+            <a:off x="837565" y="2245489"/>
+            <a:ext cx="9950040" cy="2308324"/>
+          </a:xfrm>
+          <a:prstGeom prst="rect">
+            <a:avLst/>
+          </a:prstGeom>
+          <a:noFill/>
+        </p:spPr>
+        <p:txBody>
+          <a:bodyPr wrap="square" rtlCol="0">
+            <a:spAutoFit/>
+          </a:bodyPr>
+          <a:lstStyle/>
+          <a:p>
+            <a:pPr marL="285750" indent="-285750">
+              <a:buFont typeface="Arial" panose="020B0604020202020204" pitchFamily="34" charset="0"/>
+              <a:buChar char="•"/>
+            </a:pPr>
+            <a:r>
+              <a:rPr lang="de-DE" dirty="0"/>
+              <a:t>Scope des Commits!</a:t>
+            </a:r>
+          </a:p>
+          <a:p>
+            <a:pPr marL="285750" indent="-285750">
+              <a:buFont typeface="Arial" panose="020B0604020202020204" pitchFamily="34" charset="0"/>
+              <a:buChar char="•"/>
+            </a:pPr>
+            <a:r>
+              <a:rPr lang="de-DE" dirty="0"/>
+              <a:t>Kontext</a:t>
+            </a:r>
+          </a:p>
+          <a:p>
+            <a:pPr marL="285750" indent="-285750">
+              <a:buFont typeface="Arial" panose="020B0604020202020204" pitchFamily="34" charset="0"/>
+              <a:buChar char="•"/>
+            </a:pPr>
+            <a:r>
+              <a:rPr lang="de-DE" dirty="0"/>
+              <a:t>Workitem Nr</a:t>
+            </a:r>
+          </a:p>
+          <a:p>
+            <a:pPr marL="742950" lvl="1" indent="-285750">
+              <a:buFont typeface="Arial" panose="020B0604020202020204" pitchFamily="34" charset="0"/>
+              <a:buChar char="•"/>
+            </a:pPr>
+            <a:r>
+              <a:rPr lang="de-DE"/>
+              <a:t>Für späteres Finden, automatisches Verlinken der WorkItems</a:t>
+            </a:r>
+            <a:endParaRPr lang="de-DE" dirty="0"/>
+          </a:p>
+          <a:p>
+            <a:pPr marL="285750" indent="-285750">
+              <a:buFont typeface="Arial" panose="020B0604020202020204" pitchFamily="34" charset="0"/>
+              <a:buChar char="•"/>
+            </a:pPr>
+            <a:r>
+              <a:rPr lang="de-DE" dirty="0"/>
+              <a:t>Nicht zu lang (richtige Granularität)</a:t>
+            </a:r>
+          </a:p>
+          <a:p>
+            <a:pPr marL="285750" indent="-285750">
+              <a:buFont typeface="Arial" panose="020B0604020202020204" pitchFamily="34" charset="0"/>
+              <a:buChar char="•"/>
+            </a:pPr>
+            <a:r>
+              <a:rPr lang="de-AT" dirty="0"/>
+              <a:t>Cherrypickable/Revertable</a:t>
+            </a:r>
+          </a:p>
+          <a:p>
+            <a:pPr marL="285750" indent="-285750">
+              <a:buFont typeface="Arial" panose="020B0604020202020204" pitchFamily="34" charset="0"/>
+              <a:buChar char="•"/>
+            </a:pPr>
+            <a:r>
+              <a:rPr lang="de-DE" dirty="0"/>
+              <a:t>Kompilierbar</a:t>
+            </a:r>
+          </a:p>
+          <a:p>
+            <a:pPr marL="285750" indent="-285750">
+              <a:buFont typeface="Arial" panose="020B0604020202020204" pitchFamily="34" charset="0"/>
+              <a:buChar char="•"/>
+            </a:pPr>
+            <a:endParaRPr lang="en-AT" dirty="0"/>
           </a:p>
         </p:txBody>
       </p:sp>
@@ -9191,10 +9354,15 @@
                             </p:stCondLst>
                             <p:childTnLst>
                               <p:par>
-                                <p:cTn id="5" presetID="1" presetClass="entr" presetSubtype="0" fill="hold" grpId="0" nodeType="clickEffect">
+                                <p:cTn id="5" presetID="1" presetClass="entr" presetSubtype="0" fill="hold" grpId="0" nodeType="clickEffect" nodePh="1">
                                   <p:stCondLst>
                                     <p:cond delay="0"/>
                                   </p:stCondLst>
+                                  <p:endCondLst>
+                                    <p:cond evt="begin" delay="0">
+                                      <p:tn val="5"/>
+                                    </p:cond>
+                                  </p:endCondLst>
                                   <p:childTnLst>
                                     <p:set>
                                       <p:cBhvr>
@@ -9558,6 +9726,18 @@
             <a:endParaRPr lang="en-GB" dirty="0"/>
           </a:p>
           <a:p>
+            <a:pPr lvl="2"/>
+            <a:r>
+              <a:rPr lang="en-GB" dirty="0"/>
+              <a:t>Name = </a:t>
+            </a:r>
+            <a:r>
+              <a:rPr lang="en-GB" dirty="0" err="1"/>
+              <a:t>GruppenName</a:t>
+            </a:r>
+            <a:endParaRPr lang="en-GB" dirty="0"/>
+          </a:p>
+          <a:p>
             <a:r>
               <a:rPr lang="en-GB" dirty="0" err="1"/>
               <a:t>Freie</a:t>
@@ -9575,7 +9755,15 @@
             </a:r>
             <a:r>
               <a:rPr lang="en-GB" dirty="0" err="1"/>
-              <a:t>Skelett</a:t>
+              <a:t>enthalten</a:t>
+            </a:r>
+            <a:endParaRPr lang="en-GB" dirty="0"/>
+          </a:p>
+          <a:p>
+            <a:pPr lvl="1"/>
+            <a:r>
+              <a:rPr lang="en-GB" dirty="0" err="1"/>
+              <a:t>Gern</a:t>
             </a:r>
             <a:r>
               <a:rPr lang="en-GB" dirty="0"/>
@@ -9583,15 +9771,7 @@
             </a:r>
             <a:r>
               <a:rPr lang="en-GB" dirty="0" err="1"/>
-              <a:t>enthalten</a:t>
-            </a:r>
-            <a:endParaRPr lang="en-GB" dirty="0"/>
-          </a:p>
-          <a:p>
-            <a:pPr lvl="1"/>
-            <a:r>
-              <a:rPr lang="en-GB" dirty="0" err="1"/>
-              <a:t>Gern</a:t>
+              <a:t>auch</a:t>
             </a:r>
             <a:r>
               <a:rPr lang="en-GB" dirty="0"/>
@@ -9599,7 +9779,7 @@
             </a:r>
             <a:r>
               <a:rPr lang="en-GB" dirty="0" err="1"/>
-              <a:t>auch</a:t>
+              <a:t>eine</a:t>
             </a:r>
             <a:r>
               <a:rPr lang="en-GB" dirty="0"/>
@@ -9607,7 +9787,29 @@
             </a:r>
             <a:r>
               <a:rPr lang="en-GB" dirty="0" err="1"/>
-              <a:t>eine</a:t>
+              <a:t>eigener</a:t>
+            </a:r>
+            <a:r>
+              <a:rPr lang="en-GB" dirty="0"/>
+              <a:t> Stack</a:t>
+            </a:r>
+          </a:p>
+          <a:p>
+            <a:r>
+              <a:rPr lang="en-GB" dirty="0"/>
+              <a:t>Falls </a:t>
+            </a:r>
+            <a:r>
+              <a:rPr lang="en-GB" dirty="0" err="1"/>
+              <a:t>gewünscht</a:t>
+            </a:r>
+            <a:r>
+              <a:rPr lang="en-GB" dirty="0"/>
+              <a:t>: </a:t>
+            </a:r>
+            <a:r>
+              <a:rPr lang="en-GB" dirty="0" err="1"/>
+              <a:t>mit</a:t>
             </a:r>
             <a:r>
               <a:rPr lang="en-GB" dirty="0"/>
@@ -9615,12 +9817,30 @@
             </a:r>
             <a:r>
               <a:rPr lang="en-GB" dirty="0" err="1"/>
-              <a:t>eigener</a:t>
+              <a:t>einem</a:t>
             </a:r>
             <a:r>
               <a:rPr lang="en-GB" dirty="0"/>
-              <a:t> Stack</a:t>
-            </a:r>
+              <a:t> Pattern </a:t>
+            </a:r>
+            <a:r>
+              <a:rPr lang="en-GB" dirty="0" err="1"/>
+              <a:t>arbeiten</a:t>
+            </a:r>
+            <a:r>
+              <a:rPr lang="en-GB" dirty="0"/>
+              <a:t>?</a:t>
+            </a:r>
+          </a:p>
+          <a:p>
+            <a:pPr lvl="1"/>
+            <a:r>
+              <a:rPr lang="en-GB" dirty="0"/>
+              <a:t>https://www.tutorialspoint.com/design_pattern/strategy_pattern.htm</a:t>
+            </a:r>
+          </a:p>
+          <a:p>
+            <a:endParaRPr lang="en-GB" dirty="0"/>
           </a:p>
           <a:p>
             <a:pPr lvl="2"/>

--- a/CommitMessages/CodingDojo_CommitMessages.pptx
+++ b/CommitMessages/CodingDojo_CommitMessages.pptx
@@ -9254,6 +9254,16 @@
             </a:r>
           </a:p>
           <a:p>
+            <a:pPr marL="742950" lvl="1" indent="-285750">
+              <a:buFont typeface="Arial" panose="020B0604020202020204" pitchFamily="34" charset="0"/>
+              <a:buChar char="•"/>
+            </a:pPr>
+            <a:r>
+              <a:rPr lang="de-AT" dirty="0"/>
+              <a:t>Cherrypickable/Revertable</a:t>
+            </a:r>
+          </a:p>
+          <a:p>
             <a:pPr marL="285750" indent="-285750">
               <a:buFont typeface="Arial" panose="020B0604020202020204" pitchFamily="34" charset="0"/>
               <a:buChar char="•"/>
@@ -9279,10 +9289,9 @@
               <a:buChar char="•"/>
             </a:pPr>
             <a:r>
-              <a:rPr lang="de-DE"/>
+              <a:rPr lang="de-DE" dirty="0"/>
               <a:t>Für späteres Finden, automatisches Verlinken der WorkItems</a:t>
             </a:r>
-            <a:endParaRPr lang="de-DE" dirty="0"/>
           </a:p>
           <a:p>
             <a:pPr marL="285750" indent="-285750">
@@ -9292,16 +9301,6 @@
             <a:r>
               <a:rPr lang="de-DE" dirty="0"/>
               <a:t>Nicht zu lang (richtige Granularität)</a:t>
-            </a:r>
-          </a:p>
-          <a:p>
-            <a:pPr marL="285750" indent="-285750">
-              <a:buFont typeface="Arial" panose="020B0604020202020204" pitchFamily="34" charset="0"/>
-              <a:buChar char="•"/>
-            </a:pPr>
-            <a:r>
-              <a:rPr lang="de-AT" dirty="0"/>
-              <a:t>Cherrypickable/Revertable</a:t>
             </a:r>
           </a:p>
           <a:p>
@@ -9916,6 +9915,31 @@
             <a:r>
               <a:rPr lang="de-DE" dirty="0"/>
               <a:t>Welche Hooks für Commits habt ihr für euch entdeckt?</a:t>
+            </a:r>
+          </a:p>
+          <a:p>
+            <a:r>
+              <a:rPr lang="de-DE" dirty="0"/>
+              <a:t>Wie seid ihr mit Greenfield umgegangen?</a:t>
+            </a:r>
+          </a:p>
+          <a:p>
+            <a:r>
+              <a:rPr lang="de-DE" dirty="0"/>
+              <a:t>Wie hat VS Sharing funktioniert?</a:t>
+            </a:r>
+          </a:p>
+          <a:p>
+            <a:pPr lvl="1"/>
+            <a:r>
+              <a:rPr lang="de-DE" dirty="0"/>
+              <a:t>Code selbst gut, Kontext Menü etc eher schlecht</a:t>
+            </a:r>
+          </a:p>
+          <a:p>
+            <a:r>
+              <a:rPr lang="de-DE" dirty="0"/>
+              <a:t>TDD unterstützt von den Msgs</a:t>
             </a:r>
           </a:p>
         </p:txBody>
